--- a/img/workflow.pptx
+++ b/img/workflow.pptx
@@ -7,6 +7,7 @@
   <p:sldIdLst>
     <p:sldId id="256" r:id="rId2"/>
     <p:sldId id="257" r:id="rId3"/>
+    <p:sldId id="258" r:id="rId4"/>
   </p:sldIdLst>
   <p:sldSz cx="12192000" cy="6858000"/>
   <p:notesSz cx="6858000" cy="9144000"/>
@@ -105,6 +106,11 @@
       </a:defRPr>
     </a:lvl9pPr>
   </p:defaultTextStyle>
+  <p:extLst>
+    <p:ext uri="{EFAFB233-063F-42B5-8137-9DF3F51BA10A}">
+      <p15:sldGuideLst xmlns:p15="http://schemas.microsoft.com/office/powerpoint/2012/main"/>
+    </p:ext>
+  </p:extLst>
 </p:presentation>
 </file>
 
@@ -239,7 +245,7 @@
           <a:p>
             <a:fld id="{8321AA80-28C9-894C-A3AE-D73C82342257}" type="datetimeFigureOut">
               <a:rPr lang="en-US" smtClean="0"/>
-              <a:t>7/29/25</a:t>
+              <a:t>10/14/25</a:t>
             </a:fld>
             <a:endParaRPr lang="en-US"/>
           </a:p>
@@ -409,7 +415,7 @@
           <a:p>
             <a:fld id="{8321AA80-28C9-894C-A3AE-D73C82342257}" type="datetimeFigureOut">
               <a:rPr lang="en-US" smtClean="0"/>
-              <a:t>7/29/25</a:t>
+              <a:t>10/14/25</a:t>
             </a:fld>
             <a:endParaRPr lang="en-US"/>
           </a:p>
@@ -589,7 +595,7 @@
           <a:p>
             <a:fld id="{8321AA80-28C9-894C-A3AE-D73C82342257}" type="datetimeFigureOut">
               <a:rPr lang="en-US" smtClean="0"/>
-              <a:t>7/29/25</a:t>
+              <a:t>10/14/25</a:t>
             </a:fld>
             <a:endParaRPr lang="en-US"/>
           </a:p>
@@ -759,7 +765,7 @@
           <a:p>
             <a:fld id="{8321AA80-28C9-894C-A3AE-D73C82342257}" type="datetimeFigureOut">
               <a:rPr lang="en-US" smtClean="0"/>
-              <a:t>7/29/25</a:t>
+              <a:t>10/14/25</a:t>
             </a:fld>
             <a:endParaRPr lang="en-US"/>
           </a:p>
@@ -1005,7 +1011,7 @@
           <a:p>
             <a:fld id="{8321AA80-28C9-894C-A3AE-D73C82342257}" type="datetimeFigureOut">
               <a:rPr lang="en-US" smtClean="0"/>
-              <a:t>7/29/25</a:t>
+              <a:t>10/14/25</a:t>
             </a:fld>
             <a:endParaRPr lang="en-US"/>
           </a:p>
@@ -1237,7 +1243,7 @@
           <a:p>
             <a:fld id="{8321AA80-28C9-894C-A3AE-D73C82342257}" type="datetimeFigureOut">
               <a:rPr lang="en-US" smtClean="0"/>
-              <a:t>7/29/25</a:t>
+              <a:t>10/14/25</a:t>
             </a:fld>
             <a:endParaRPr lang="en-US"/>
           </a:p>
@@ -1604,7 +1610,7 @@
           <a:p>
             <a:fld id="{8321AA80-28C9-894C-A3AE-D73C82342257}" type="datetimeFigureOut">
               <a:rPr lang="en-US" smtClean="0"/>
-              <a:t>7/29/25</a:t>
+              <a:t>10/14/25</a:t>
             </a:fld>
             <a:endParaRPr lang="en-US"/>
           </a:p>
@@ -1722,7 +1728,7 @@
           <a:p>
             <a:fld id="{8321AA80-28C9-894C-A3AE-D73C82342257}" type="datetimeFigureOut">
               <a:rPr lang="en-US" smtClean="0"/>
-              <a:t>7/29/25</a:t>
+              <a:t>10/14/25</a:t>
             </a:fld>
             <a:endParaRPr lang="en-US"/>
           </a:p>
@@ -1817,7 +1823,7 @@
           <a:p>
             <a:fld id="{8321AA80-28C9-894C-A3AE-D73C82342257}" type="datetimeFigureOut">
               <a:rPr lang="en-US" smtClean="0"/>
-              <a:t>7/29/25</a:t>
+              <a:t>10/14/25</a:t>
             </a:fld>
             <a:endParaRPr lang="en-US"/>
           </a:p>
@@ -2094,7 +2100,7 @@
           <a:p>
             <a:fld id="{8321AA80-28C9-894C-A3AE-D73C82342257}" type="datetimeFigureOut">
               <a:rPr lang="en-US" smtClean="0"/>
-              <a:t>7/29/25</a:t>
+              <a:t>10/14/25</a:t>
             </a:fld>
             <a:endParaRPr lang="en-US"/>
           </a:p>
@@ -2351,7 +2357,7 @@
           <a:p>
             <a:fld id="{8321AA80-28C9-894C-A3AE-D73C82342257}" type="datetimeFigureOut">
               <a:rPr lang="en-US" smtClean="0"/>
-              <a:t>7/29/25</a:t>
+              <a:t>10/14/25</a:t>
             </a:fld>
             <a:endParaRPr lang="en-US"/>
           </a:p>
@@ -2564,7 +2570,7 @@
           <a:p>
             <a:fld id="{8321AA80-28C9-894C-A3AE-D73C82342257}" type="datetimeFigureOut">
               <a:rPr lang="en-US" smtClean="0"/>
-              <a:t>7/29/25</a:t>
+              <a:t>10/14/25</a:t>
             </a:fld>
             <a:endParaRPr lang="en-US"/>
           </a:p>
@@ -4578,6 +4584,896 @@
 </p:sld>
 </file>
 
+<file path=ppt/slides/slide3.xml><?xml version="1.0" encoding="utf-8"?>
+<p:sld xmlns:a="http://schemas.openxmlformats.org/drawingml/2006/main" xmlns:r="http://schemas.openxmlformats.org/officeDocument/2006/relationships" xmlns:p="http://schemas.openxmlformats.org/presentationml/2006/main">
+  <p:cSld>
+    <p:spTree>
+      <p:nvGrpSpPr>
+        <p:cNvPr id="1" name="">
+          <a:extLst>
+            <a:ext uri="{FF2B5EF4-FFF2-40B4-BE49-F238E27FC236}">
+              <a16:creationId xmlns:a16="http://schemas.microsoft.com/office/drawing/2014/main" id="{7BEDCFCD-C9C1-0719-296F-E8A89F68576B}"/>
+            </a:ext>
+          </a:extLst>
+        </p:cNvPr>
+        <p:cNvGrpSpPr/>
+        <p:nvPr/>
+      </p:nvGrpSpPr>
+      <p:grpSpPr>
+        <a:xfrm>
+          <a:off x="0" y="0"/>
+          <a:ext cx="0" cy="0"/>
+          <a:chOff x="0" y="0"/>
+          <a:chExt cx="0" cy="0"/>
+        </a:xfrm>
+      </p:grpSpPr>
+      <p:grpSp>
+        <p:nvGrpSpPr>
+          <p:cNvPr id="2" name="Group 1">
+            <a:extLst>
+              <a:ext uri="{FF2B5EF4-FFF2-40B4-BE49-F238E27FC236}">
+                <a16:creationId xmlns:a16="http://schemas.microsoft.com/office/drawing/2014/main" id="{E473C557-287D-3FF3-899F-4622DB824909}"/>
+              </a:ext>
+            </a:extLst>
+          </p:cNvPr>
+          <p:cNvGrpSpPr/>
+          <p:nvPr/>
+        </p:nvGrpSpPr>
+        <p:grpSpPr>
+          <a:xfrm>
+            <a:off x="1359396" y="584857"/>
+            <a:ext cx="9473208" cy="5688286"/>
+            <a:chOff x="1510895" y="1169714"/>
+            <a:chExt cx="9473208" cy="5688286"/>
+          </a:xfrm>
+        </p:grpSpPr>
+        <p:sp>
+          <p:nvSpPr>
+            <p:cNvPr id="47" name="Rectangle 46">
+              <a:extLst>
+                <a:ext uri="{FF2B5EF4-FFF2-40B4-BE49-F238E27FC236}">
+                  <a16:creationId xmlns:a16="http://schemas.microsoft.com/office/drawing/2014/main" id="{63C467D9-1697-B4B0-7CB8-FEE3BDB1407C}"/>
+                </a:ext>
+              </a:extLst>
+            </p:cNvPr>
+            <p:cNvSpPr/>
+            <p:nvPr/>
+          </p:nvSpPr>
+          <p:spPr>
+            <a:xfrm>
+              <a:off x="1510896" y="1169714"/>
+              <a:ext cx="1988764" cy="828946"/>
+            </a:xfrm>
+            <a:prstGeom prst="rect">
+              <a:avLst/>
+            </a:prstGeom>
+            <a:solidFill>
+              <a:srgbClr val="017377"/>
+            </a:solidFill>
+            <a:ln>
+              <a:solidFill>
+                <a:schemeClr val="tx1"/>
+              </a:solidFill>
+            </a:ln>
+          </p:spPr>
+          <p:style>
+            <a:lnRef idx="2">
+              <a:schemeClr val="accent1">
+                <a:shade val="15000"/>
+              </a:schemeClr>
+            </a:lnRef>
+            <a:fillRef idx="1">
+              <a:schemeClr val="accent1"/>
+            </a:fillRef>
+            <a:effectRef idx="0">
+              <a:schemeClr val="accent1"/>
+            </a:effectRef>
+            <a:fontRef idx="minor">
+              <a:schemeClr val="lt1"/>
+            </a:fontRef>
+          </p:style>
+          <p:txBody>
+            <a:bodyPr rtlCol="0" anchor="ctr"/>
+            <a:lstStyle/>
+            <a:p>
+              <a:pPr algn="ctr"/>
+              <a:r>
+                <a:rPr lang="en-US" dirty="0" err="1"/>
+                <a:t>SAbDab</a:t>
+              </a:r>
+              <a:r>
+                <a:rPr lang="en-US" dirty="0"/>
+                <a:t> Database</a:t>
+              </a:r>
+            </a:p>
+          </p:txBody>
+        </p:sp>
+        <p:sp>
+          <p:nvSpPr>
+            <p:cNvPr id="48" name="Rectangle 47">
+              <a:extLst>
+                <a:ext uri="{FF2B5EF4-FFF2-40B4-BE49-F238E27FC236}">
+                  <a16:creationId xmlns:a16="http://schemas.microsoft.com/office/drawing/2014/main" id="{71E5F60B-FBCF-63B0-00D1-83F466972F93}"/>
+                </a:ext>
+              </a:extLst>
+            </p:cNvPr>
+            <p:cNvSpPr/>
+            <p:nvPr/>
+          </p:nvSpPr>
+          <p:spPr>
+            <a:xfrm>
+              <a:off x="1510897" y="2589472"/>
+              <a:ext cx="4453217" cy="1305602"/>
+            </a:xfrm>
+            <a:prstGeom prst="rect">
+              <a:avLst/>
+            </a:prstGeom>
+            <a:solidFill>
+              <a:srgbClr val="005035"/>
+            </a:solidFill>
+            <a:ln>
+              <a:solidFill>
+                <a:schemeClr val="tx1"/>
+              </a:solidFill>
+            </a:ln>
+          </p:spPr>
+          <p:style>
+            <a:lnRef idx="2">
+              <a:schemeClr val="accent1">
+                <a:shade val="15000"/>
+              </a:schemeClr>
+            </a:lnRef>
+            <a:fillRef idx="1">
+              <a:schemeClr val="accent1"/>
+            </a:fillRef>
+            <a:effectRef idx="0">
+              <a:schemeClr val="accent1"/>
+            </a:effectRef>
+            <a:fontRef idx="minor">
+              <a:schemeClr val="lt1"/>
+            </a:fontRef>
+          </p:style>
+          <p:txBody>
+            <a:bodyPr rtlCol="0" anchor="ctr"/>
+            <a:lstStyle/>
+            <a:p>
+              <a:pPr algn="ctr"/>
+              <a:r>
+                <a:rPr lang="en-US" dirty="0"/>
+                <a:t>Model Tuning</a:t>
+              </a:r>
+            </a:p>
+            <a:p>
+              <a:pPr algn="ctr"/>
+              <a:r>
+                <a:rPr lang="en-US" dirty="0"/>
+                <a:t>(</a:t>
+              </a:r>
+              <a:r>
+                <a:rPr lang="en-US" i="1" dirty="0"/>
+                <a:t>transformers</a:t>
+              </a:r>
+              <a:r>
+                <a:rPr lang="en-US" dirty="0"/>
+                <a:t> library)</a:t>
+              </a:r>
+            </a:p>
+          </p:txBody>
+        </p:sp>
+        <p:sp>
+          <p:nvSpPr>
+            <p:cNvPr id="49" name="Rounded Rectangle 48">
+              <a:extLst>
+                <a:ext uri="{FF2B5EF4-FFF2-40B4-BE49-F238E27FC236}">
+                  <a16:creationId xmlns:a16="http://schemas.microsoft.com/office/drawing/2014/main" id="{809F0382-BD99-8C8B-3194-48543928CDCA}"/>
+                </a:ext>
+              </a:extLst>
+            </p:cNvPr>
+            <p:cNvSpPr/>
+            <p:nvPr/>
+          </p:nvSpPr>
+          <p:spPr>
+            <a:xfrm>
+              <a:off x="6530886" y="2589471"/>
+              <a:ext cx="4453217" cy="1305602"/>
+            </a:xfrm>
+            <a:prstGeom prst="roundRect">
+              <a:avLst/>
+            </a:prstGeom>
+            <a:solidFill>
+              <a:schemeClr val="accent3">
+                <a:lumMod val="50000"/>
+              </a:schemeClr>
+            </a:solidFill>
+            <a:ln>
+              <a:solidFill>
+                <a:schemeClr val="tx1"/>
+              </a:solidFill>
+            </a:ln>
+          </p:spPr>
+          <p:style>
+            <a:lnRef idx="2">
+              <a:schemeClr val="accent1">
+                <a:shade val="15000"/>
+              </a:schemeClr>
+            </a:lnRef>
+            <a:fillRef idx="1">
+              <a:schemeClr val="accent1"/>
+            </a:fillRef>
+            <a:effectRef idx="0">
+              <a:schemeClr val="accent1"/>
+            </a:effectRef>
+            <a:fontRef idx="minor">
+              <a:schemeClr val="lt1"/>
+            </a:fontRef>
+          </p:style>
+          <p:txBody>
+            <a:bodyPr rtlCol="0" anchor="ctr"/>
+            <a:lstStyle/>
+            <a:p>
+              <a:pPr algn="ctr"/>
+              <a:r>
+                <a:rPr lang="en-US" dirty="0"/>
+                <a:t>Annotated Antigen Input</a:t>
+              </a:r>
+            </a:p>
+            <a:p>
+              <a:pPr algn="ctr"/>
+              <a:r>
+                <a:rPr lang="en-US" sz="1400" dirty="0">
+                  <a:latin typeface="Consolas" panose="020B0609020204030204" pitchFamily="49" charset="0"/>
+                  <a:cs typeface="Consolas" panose="020B0609020204030204" pitchFamily="49" charset="0"/>
+                </a:rPr>
+                <a:t>…FS[S][F][V]L[N]WYR…</a:t>
+              </a:r>
+            </a:p>
+          </p:txBody>
+        </p:sp>
+        <p:sp>
+          <p:nvSpPr>
+            <p:cNvPr id="50" name="Rectangle 49">
+              <a:extLst>
+                <a:ext uri="{FF2B5EF4-FFF2-40B4-BE49-F238E27FC236}">
+                  <a16:creationId xmlns:a16="http://schemas.microsoft.com/office/drawing/2014/main" id="{69FDA6AA-D4DB-993F-E6F0-E88EE4239FFE}"/>
+                </a:ext>
+              </a:extLst>
+            </p:cNvPr>
+            <p:cNvSpPr/>
+            <p:nvPr/>
+          </p:nvSpPr>
+          <p:spPr>
+            <a:xfrm>
+              <a:off x="6530886" y="4342942"/>
+              <a:ext cx="4453217" cy="761594"/>
+            </a:xfrm>
+            <a:prstGeom prst="rect">
+              <a:avLst/>
+            </a:prstGeom>
+            <a:solidFill>
+              <a:srgbClr val="005035"/>
+            </a:solidFill>
+            <a:ln>
+              <a:solidFill>
+                <a:schemeClr val="tx1"/>
+              </a:solidFill>
+            </a:ln>
+          </p:spPr>
+          <p:style>
+            <a:lnRef idx="2">
+              <a:schemeClr val="accent1">
+                <a:shade val="15000"/>
+              </a:schemeClr>
+            </a:lnRef>
+            <a:fillRef idx="1">
+              <a:schemeClr val="accent1"/>
+            </a:fillRef>
+            <a:effectRef idx="0">
+              <a:schemeClr val="accent1"/>
+            </a:effectRef>
+            <a:fontRef idx="minor">
+              <a:schemeClr val="lt1"/>
+            </a:fontRef>
+          </p:style>
+          <p:txBody>
+            <a:bodyPr rtlCol="0" anchor="ctr"/>
+            <a:lstStyle/>
+            <a:p>
+              <a:pPr algn="ctr"/>
+              <a:r>
+                <a:rPr lang="en-US" dirty="0"/>
+                <a:t>Updated Tokenizer</a:t>
+              </a:r>
+              <a:endParaRPr lang="en-US" sz="1400" dirty="0">
+                <a:latin typeface="Consolas" panose="020B0609020204030204" pitchFamily="49" charset="0"/>
+                <a:cs typeface="Consolas" panose="020B0609020204030204" pitchFamily="49" charset="0"/>
+              </a:endParaRPr>
+            </a:p>
+          </p:txBody>
+        </p:sp>
+        <p:sp>
+          <p:nvSpPr>
+            <p:cNvPr id="51" name="Rectangle 50">
+              <a:extLst>
+                <a:ext uri="{FF2B5EF4-FFF2-40B4-BE49-F238E27FC236}">
+                  <a16:creationId xmlns:a16="http://schemas.microsoft.com/office/drawing/2014/main" id="{7C8D58F4-06E1-7492-C8A5-CF5121D2C6B6}"/>
+                </a:ext>
+              </a:extLst>
+            </p:cNvPr>
+            <p:cNvSpPr/>
+            <p:nvPr/>
+          </p:nvSpPr>
+          <p:spPr>
+            <a:xfrm>
+              <a:off x="1510896" y="4342941"/>
+              <a:ext cx="4453217" cy="761595"/>
+            </a:xfrm>
+            <a:prstGeom prst="rect">
+              <a:avLst/>
+            </a:prstGeom>
+            <a:solidFill>
+              <a:srgbClr val="005035"/>
+            </a:solidFill>
+            <a:ln>
+              <a:solidFill>
+                <a:schemeClr val="tx1"/>
+              </a:solidFill>
+            </a:ln>
+          </p:spPr>
+          <p:style>
+            <a:lnRef idx="2">
+              <a:schemeClr val="accent1">
+                <a:shade val="15000"/>
+              </a:schemeClr>
+            </a:lnRef>
+            <a:fillRef idx="1">
+              <a:schemeClr val="accent1"/>
+            </a:fillRef>
+            <a:effectRef idx="0">
+              <a:schemeClr val="accent1"/>
+            </a:effectRef>
+            <a:fontRef idx="minor">
+              <a:schemeClr val="lt1"/>
+            </a:fontRef>
+          </p:style>
+          <p:txBody>
+            <a:bodyPr rtlCol="0" anchor="ctr"/>
+            <a:lstStyle/>
+            <a:p>
+              <a:pPr algn="ctr"/>
+              <a:r>
+                <a:rPr lang="en-US" dirty="0"/>
+                <a:t>Model Inferencing</a:t>
+              </a:r>
+            </a:p>
+          </p:txBody>
+        </p:sp>
+        <p:sp>
+          <p:nvSpPr>
+            <p:cNvPr id="52" name="Rounded Rectangle 51">
+              <a:extLst>
+                <a:ext uri="{FF2B5EF4-FFF2-40B4-BE49-F238E27FC236}">
+                  <a16:creationId xmlns:a16="http://schemas.microsoft.com/office/drawing/2014/main" id="{4FB3D085-16F2-0212-9523-044F26F19025}"/>
+                </a:ext>
+              </a:extLst>
+            </p:cNvPr>
+            <p:cNvSpPr/>
+            <p:nvPr/>
+          </p:nvSpPr>
+          <p:spPr>
+            <a:xfrm>
+              <a:off x="6530885" y="5552398"/>
+              <a:ext cx="4453217" cy="1305602"/>
+            </a:xfrm>
+            <a:prstGeom prst="roundRect">
+              <a:avLst/>
+            </a:prstGeom>
+            <a:solidFill>
+              <a:schemeClr val="accent3">
+                <a:lumMod val="50000"/>
+              </a:schemeClr>
+            </a:solidFill>
+            <a:ln>
+              <a:solidFill>
+                <a:schemeClr val="tx1"/>
+              </a:solidFill>
+            </a:ln>
+          </p:spPr>
+          <p:style>
+            <a:lnRef idx="2">
+              <a:schemeClr val="accent1">
+                <a:shade val="15000"/>
+              </a:schemeClr>
+            </a:lnRef>
+            <a:fillRef idx="1">
+              <a:schemeClr val="accent1"/>
+            </a:fillRef>
+            <a:effectRef idx="0">
+              <a:schemeClr val="accent1"/>
+            </a:effectRef>
+            <a:fontRef idx="minor">
+              <a:schemeClr val="lt1"/>
+            </a:fontRef>
+          </p:style>
+          <p:txBody>
+            <a:bodyPr rtlCol="0" anchor="ctr"/>
+            <a:lstStyle/>
+            <a:p>
+              <a:pPr algn="ctr"/>
+              <a:r>
+                <a:rPr lang="en-US" dirty="0"/>
+                <a:t>Targeted Antibody Output</a:t>
+              </a:r>
+            </a:p>
+            <a:p>
+              <a:pPr algn="ctr"/>
+              <a:r>
+                <a:rPr lang="en-US" sz="1400" dirty="0">
+                  <a:latin typeface="Consolas" panose="020B0609020204030204" pitchFamily="49" charset="0"/>
+                  <a:cs typeface="Consolas" panose="020B0609020204030204" pitchFamily="49" charset="0"/>
+                </a:rPr>
+                <a:t>QQVQLVESG…|DIVMTQSPL…</a:t>
+              </a:r>
+            </a:p>
+          </p:txBody>
+        </p:sp>
+        <p:cxnSp>
+          <p:nvCxnSpPr>
+            <p:cNvPr id="53" name="Straight Arrow Connector 52">
+              <a:extLst>
+                <a:ext uri="{FF2B5EF4-FFF2-40B4-BE49-F238E27FC236}">
+                  <a16:creationId xmlns:a16="http://schemas.microsoft.com/office/drawing/2014/main" id="{83D699CF-184D-9804-EC4D-38F1F79F2A42}"/>
+                </a:ext>
+              </a:extLst>
+            </p:cNvPr>
+            <p:cNvCxnSpPr>
+              <a:cxnSpLocks/>
+              <a:stCxn id="49" idx="2"/>
+              <a:endCxn id="50" idx="0"/>
+            </p:cNvCxnSpPr>
+            <p:nvPr/>
+          </p:nvCxnSpPr>
+          <p:spPr>
+            <a:xfrm>
+              <a:off x="8757495" y="3895073"/>
+              <a:ext cx="0" cy="447870"/>
+            </a:xfrm>
+            <a:prstGeom prst="straightConnector1">
+              <a:avLst/>
+            </a:prstGeom>
+            <a:ln w="57150">
+              <a:solidFill>
+                <a:schemeClr val="tx1"/>
+              </a:solidFill>
+              <a:tailEnd type="triangle"/>
+            </a:ln>
+          </p:spPr>
+          <p:style>
+            <a:lnRef idx="2">
+              <a:schemeClr val="dk1"/>
+            </a:lnRef>
+            <a:fillRef idx="0">
+              <a:schemeClr val="dk1"/>
+            </a:fillRef>
+            <a:effectRef idx="1">
+              <a:schemeClr val="dk1"/>
+            </a:effectRef>
+            <a:fontRef idx="minor">
+              <a:schemeClr val="tx1"/>
+            </a:fontRef>
+          </p:style>
+        </p:cxnSp>
+        <p:cxnSp>
+          <p:nvCxnSpPr>
+            <p:cNvPr id="54" name="Elbow Connector 53">
+              <a:extLst>
+                <a:ext uri="{FF2B5EF4-FFF2-40B4-BE49-F238E27FC236}">
+                  <a16:creationId xmlns:a16="http://schemas.microsoft.com/office/drawing/2014/main" id="{D8DADD91-14E7-CA6C-92E8-D803E3599EC1}"/>
+                </a:ext>
+              </a:extLst>
+            </p:cNvPr>
+            <p:cNvCxnSpPr>
+              <a:cxnSpLocks/>
+              <a:stCxn id="48" idx="2"/>
+              <a:endCxn id="51" idx="0"/>
+            </p:cNvCxnSpPr>
+            <p:nvPr/>
+          </p:nvCxnSpPr>
+          <p:spPr>
+            <a:xfrm rot="5400000">
+              <a:off x="3513573" y="4119007"/>
+              <a:ext cx="447867" cy="1"/>
+            </a:xfrm>
+            <a:prstGeom prst="bentConnector3">
+              <a:avLst>
+                <a:gd name="adj1" fmla="val 50000"/>
+              </a:avLst>
+            </a:prstGeom>
+            <a:ln w="57150">
+              <a:solidFill>
+                <a:schemeClr val="tx1"/>
+              </a:solidFill>
+              <a:tailEnd type="triangle"/>
+            </a:ln>
+          </p:spPr>
+          <p:style>
+            <a:lnRef idx="2">
+              <a:schemeClr val="dk1"/>
+            </a:lnRef>
+            <a:fillRef idx="0">
+              <a:schemeClr val="dk1"/>
+            </a:fillRef>
+            <a:effectRef idx="1">
+              <a:schemeClr val="dk1"/>
+            </a:effectRef>
+            <a:fontRef idx="minor">
+              <a:schemeClr val="tx1"/>
+            </a:fontRef>
+          </p:style>
+        </p:cxnSp>
+        <p:sp>
+          <p:nvSpPr>
+            <p:cNvPr id="55" name="Rectangle 54">
+              <a:extLst>
+                <a:ext uri="{FF2B5EF4-FFF2-40B4-BE49-F238E27FC236}">
+                  <a16:creationId xmlns:a16="http://schemas.microsoft.com/office/drawing/2014/main" id="{6E006307-B37A-9990-8CF1-88B2CA06F794}"/>
+                </a:ext>
+              </a:extLst>
+            </p:cNvPr>
+            <p:cNvSpPr/>
+            <p:nvPr/>
+          </p:nvSpPr>
+          <p:spPr>
+            <a:xfrm>
+              <a:off x="3975346" y="1169714"/>
+              <a:ext cx="1988767" cy="828946"/>
+            </a:xfrm>
+            <a:prstGeom prst="rect">
+              <a:avLst/>
+            </a:prstGeom>
+            <a:solidFill>
+              <a:srgbClr val="017377"/>
+            </a:solidFill>
+            <a:ln>
+              <a:solidFill>
+                <a:schemeClr val="tx1"/>
+              </a:solidFill>
+            </a:ln>
+          </p:spPr>
+          <p:style>
+            <a:lnRef idx="2">
+              <a:schemeClr val="accent1">
+                <a:shade val="15000"/>
+              </a:schemeClr>
+            </a:lnRef>
+            <a:fillRef idx="1">
+              <a:schemeClr val="accent1"/>
+            </a:fillRef>
+            <a:effectRef idx="0">
+              <a:schemeClr val="accent1"/>
+            </a:effectRef>
+            <a:fontRef idx="minor">
+              <a:schemeClr val="lt1"/>
+            </a:fontRef>
+          </p:style>
+          <p:txBody>
+            <a:bodyPr rtlCol="0" anchor="ctr"/>
+            <a:lstStyle/>
+            <a:p>
+              <a:pPr algn="ctr"/>
+              <a:r>
+                <a:rPr lang="en-US" dirty="0"/>
+                <a:t>Protein Data Bank</a:t>
+              </a:r>
+            </a:p>
+          </p:txBody>
+        </p:sp>
+        <p:cxnSp>
+          <p:nvCxnSpPr>
+            <p:cNvPr id="56" name="Elbow Connector 55">
+              <a:extLst>
+                <a:ext uri="{FF2B5EF4-FFF2-40B4-BE49-F238E27FC236}">
+                  <a16:creationId xmlns:a16="http://schemas.microsoft.com/office/drawing/2014/main" id="{DB738897-241C-ADE9-04E9-9AF441AD61D9}"/>
+                </a:ext>
+              </a:extLst>
+            </p:cNvPr>
+            <p:cNvCxnSpPr>
+              <a:cxnSpLocks/>
+              <a:stCxn id="47" idx="3"/>
+              <a:endCxn id="48" idx="0"/>
+            </p:cNvCxnSpPr>
+            <p:nvPr/>
+          </p:nvCxnSpPr>
+          <p:spPr>
+            <a:xfrm>
+              <a:off x="3499660" y="1584187"/>
+              <a:ext cx="237846" cy="1005285"/>
+            </a:xfrm>
+            <a:prstGeom prst="bentConnector2">
+              <a:avLst/>
+            </a:prstGeom>
+            <a:ln w="57150">
+              <a:solidFill>
+                <a:schemeClr val="tx1"/>
+              </a:solidFill>
+              <a:tailEnd type="triangle"/>
+            </a:ln>
+          </p:spPr>
+          <p:style>
+            <a:lnRef idx="2">
+              <a:schemeClr val="dk1"/>
+            </a:lnRef>
+            <a:fillRef idx="0">
+              <a:schemeClr val="dk1"/>
+            </a:fillRef>
+            <a:effectRef idx="1">
+              <a:schemeClr val="dk1"/>
+            </a:effectRef>
+            <a:fontRef idx="minor">
+              <a:schemeClr val="tx1"/>
+            </a:fontRef>
+          </p:style>
+        </p:cxnSp>
+        <p:cxnSp>
+          <p:nvCxnSpPr>
+            <p:cNvPr id="57" name="Elbow Connector 56">
+              <a:extLst>
+                <a:ext uri="{FF2B5EF4-FFF2-40B4-BE49-F238E27FC236}">
+                  <a16:creationId xmlns:a16="http://schemas.microsoft.com/office/drawing/2014/main" id="{58EE251F-EAE3-50B1-4627-72311A439C9B}"/>
+                </a:ext>
+              </a:extLst>
+            </p:cNvPr>
+            <p:cNvCxnSpPr>
+              <a:cxnSpLocks/>
+              <a:stCxn id="55" idx="1"/>
+              <a:endCxn id="48" idx="0"/>
+            </p:cNvCxnSpPr>
+            <p:nvPr/>
+          </p:nvCxnSpPr>
+          <p:spPr>
+            <a:xfrm rot="10800000" flipV="1">
+              <a:off x="3737506" y="1584186"/>
+              <a:ext cx="237840" cy="1005285"/>
+            </a:xfrm>
+            <a:prstGeom prst="bentConnector2">
+              <a:avLst/>
+            </a:prstGeom>
+            <a:ln w="57150">
+              <a:solidFill>
+                <a:schemeClr val="tx1"/>
+              </a:solidFill>
+              <a:tailEnd type="triangle"/>
+            </a:ln>
+          </p:spPr>
+          <p:style>
+            <a:lnRef idx="2">
+              <a:schemeClr val="dk1"/>
+            </a:lnRef>
+            <a:fillRef idx="0">
+              <a:schemeClr val="dk1"/>
+            </a:fillRef>
+            <a:effectRef idx="1">
+              <a:schemeClr val="dk1"/>
+            </a:effectRef>
+            <a:fontRef idx="minor">
+              <a:schemeClr val="tx1"/>
+            </a:fontRef>
+          </p:style>
+        </p:cxnSp>
+        <p:cxnSp>
+          <p:nvCxnSpPr>
+            <p:cNvPr id="58" name="Straight Arrow Connector 57">
+              <a:extLst>
+                <a:ext uri="{FF2B5EF4-FFF2-40B4-BE49-F238E27FC236}">
+                  <a16:creationId xmlns:a16="http://schemas.microsoft.com/office/drawing/2014/main" id="{5EAE09FB-7FF3-3E13-A4DA-5F5783ACB2DF}"/>
+                </a:ext>
+              </a:extLst>
+            </p:cNvPr>
+            <p:cNvCxnSpPr>
+              <a:cxnSpLocks/>
+              <a:stCxn id="50" idx="1"/>
+              <a:endCxn id="51" idx="3"/>
+            </p:cNvCxnSpPr>
+            <p:nvPr/>
+          </p:nvCxnSpPr>
+          <p:spPr>
+            <a:xfrm flipH="1" flipV="1">
+              <a:off x="5964113" y="4723739"/>
+              <a:ext cx="566773" cy="1"/>
+            </a:xfrm>
+            <a:prstGeom prst="straightConnector1">
+              <a:avLst/>
+            </a:prstGeom>
+            <a:ln w="57150">
+              <a:solidFill>
+                <a:schemeClr val="tx1"/>
+              </a:solidFill>
+              <a:tailEnd type="triangle"/>
+            </a:ln>
+          </p:spPr>
+          <p:style>
+            <a:lnRef idx="2">
+              <a:schemeClr val="dk1"/>
+            </a:lnRef>
+            <a:fillRef idx="0">
+              <a:schemeClr val="dk1"/>
+            </a:fillRef>
+            <a:effectRef idx="1">
+              <a:schemeClr val="dk1"/>
+            </a:effectRef>
+            <a:fontRef idx="minor">
+              <a:schemeClr val="tx1"/>
+            </a:fontRef>
+          </p:style>
+        </p:cxnSp>
+        <p:sp>
+          <p:nvSpPr>
+            <p:cNvPr id="59" name="Rectangle 58">
+              <a:extLst>
+                <a:ext uri="{FF2B5EF4-FFF2-40B4-BE49-F238E27FC236}">
+                  <a16:creationId xmlns:a16="http://schemas.microsoft.com/office/drawing/2014/main" id="{6245368A-2CB5-B0AF-8D71-22DF723FA4A9}"/>
+                </a:ext>
+              </a:extLst>
+            </p:cNvPr>
+            <p:cNvSpPr/>
+            <p:nvPr/>
+          </p:nvSpPr>
+          <p:spPr>
+            <a:xfrm>
+              <a:off x="1510895" y="5824402"/>
+              <a:ext cx="4453217" cy="761594"/>
+            </a:xfrm>
+            <a:prstGeom prst="rect">
+              <a:avLst/>
+            </a:prstGeom>
+            <a:solidFill>
+              <a:srgbClr val="005035"/>
+            </a:solidFill>
+            <a:ln>
+              <a:solidFill>
+                <a:schemeClr val="tx1"/>
+              </a:solidFill>
+            </a:ln>
+          </p:spPr>
+          <p:style>
+            <a:lnRef idx="2">
+              <a:schemeClr val="accent1">
+                <a:shade val="15000"/>
+              </a:schemeClr>
+            </a:lnRef>
+            <a:fillRef idx="1">
+              <a:schemeClr val="accent1"/>
+            </a:fillRef>
+            <a:effectRef idx="0">
+              <a:schemeClr val="accent1"/>
+            </a:effectRef>
+            <a:fontRef idx="minor">
+              <a:schemeClr val="lt1"/>
+            </a:fontRef>
+          </p:style>
+          <p:txBody>
+            <a:bodyPr rtlCol="0" anchor="ctr"/>
+            <a:lstStyle/>
+            <a:p>
+              <a:pPr algn="ctr"/>
+              <a:r>
+                <a:rPr lang="en-US" dirty="0"/>
+                <a:t>Folding and PDB Generation</a:t>
+              </a:r>
+              <a:endParaRPr lang="en-US" sz="1400" dirty="0">
+                <a:latin typeface="Consolas" panose="020B0609020204030204" pitchFamily="49" charset="0"/>
+                <a:cs typeface="Consolas" panose="020B0609020204030204" pitchFamily="49" charset="0"/>
+              </a:endParaRPr>
+            </a:p>
+          </p:txBody>
+        </p:sp>
+        <p:cxnSp>
+          <p:nvCxnSpPr>
+            <p:cNvPr id="60" name="Straight Arrow Connector 59">
+              <a:extLst>
+                <a:ext uri="{FF2B5EF4-FFF2-40B4-BE49-F238E27FC236}">
+                  <a16:creationId xmlns:a16="http://schemas.microsoft.com/office/drawing/2014/main" id="{37069806-9557-18C8-950B-EFE627F66378}"/>
+                </a:ext>
+              </a:extLst>
+            </p:cNvPr>
+            <p:cNvCxnSpPr>
+              <a:cxnSpLocks/>
+              <a:stCxn id="52" idx="1"/>
+              <a:endCxn id="59" idx="3"/>
+            </p:cNvCxnSpPr>
+            <p:nvPr/>
+          </p:nvCxnSpPr>
+          <p:spPr>
+            <a:xfrm flipH="1">
+              <a:off x="5964112" y="6205199"/>
+              <a:ext cx="566773" cy="0"/>
+            </a:xfrm>
+            <a:prstGeom prst="straightConnector1">
+              <a:avLst/>
+            </a:prstGeom>
+            <a:ln w="57150">
+              <a:solidFill>
+                <a:schemeClr val="tx1"/>
+              </a:solidFill>
+              <a:tailEnd type="triangle"/>
+            </a:ln>
+          </p:spPr>
+          <p:style>
+            <a:lnRef idx="2">
+              <a:schemeClr val="dk1"/>
+            </a:lnRef>
+            <a:fillRef idx="0">
+              <a:schemeClr val="dk1"/>
+            </a:fillRef>
+            <a:effectRef idx="1">
+              <a:schemeClr val="dk1"/>
+            </a:effectRef>
+            <a:fontRef idx="minor">
+              <a:schemeClr val="tx1"/>
+            </a:fontRef>
+          </p:style>
+        </p:cxnSp>
+        <p:cxnSp>
+          <p:nvCxnSpPr>
+            <p:cNvPr id="61" name="Elbow Connector 60">
+              <a:extLst>
+                <a:ext uri="{FF2B5EF4-FFF2-40B4-BE49-F238E27FC236}">
+                  <a16:creationId xmlns:a16="http://schemas.microsoft.com/office/drawing/2014/main" id="{B60B0B9D-84C7-3DEA-69C3-96394FBD3B31}"/>
+                </a:ext>
+              </a:extLst>
+            </p:cNvPr>
+            <p:cNvCxnSpPr>
+              <a:cxnSpLocks/>
+              <a:stCxn id="51" idx="2"/>
+              <a:endCxn id="52" idx="0"/>
+            </p:cNvCxnSpPr>
+            <p:nvPr/>
+          </p:nvCxnSpPr>
+          <p:spPr>
+            <a:xfrm rot="16200000" flipH="1">
+              <a:off x="6023568" y="2818472"/>
+              <a:ext cx="447862" cy="5019989"/>
+            </a:xfrm>
+            <a:prstGeom prst="bentConnector3">
+              <a:avLst>
+                <a:gd name="adj1" fmla="val 50000"/>
+              </a:avLst>
+            </a:prstGeom>
+            <a:ln w="57150">
+              <a:solidFill>
+                <a:schemeClr val="tx1"/>
+              </a:solidFill>
+              <a:tailEnd type="triangle"/>
+            </a:ln>
+          </p:spPr>
+          <p:style>
+            <a:lnRef idx="2">
+              <a:schemeClr val="dk1"/>
+            </a:lnRef>
+            <a:fillRef idx="0">
+              <a:schemeClr val="dk1"/>
+            </a:fillRef>
+            <a:effectRef idx="1">
+              <a:schemeClr val="dk1"/>
+            </a:effectRef>
+            <a:fontRef idx="minor">
+              <a:schemeClr val="tx1"/>
+            </a:fontRef>
+          </p:style>
+        </p:cxnSp>
+      </p:grpSp>
+    </p:spTree>
+    <p:extLst>
+      <p:ext uri="{BB962C8B-B14F-4D97-AF65-F5344CB8AC3E}">
+        <p14:creationId xmlns:p14="http://schemas.microsoft.com/office/powerpoint/2010/main" val="633755308"/>
+      </p:ext>
+    </p:extLst>
+  </p:cSld>
+  <p:clrMapOvr>
+    <a:masterClrMapping/>
+  </p:clrMapOvr>
+</p:sld>
+</file>
+
 <file path=ppt/theme/theme1.xml><?xml version="1.0" encoding="utf-8"?>
 <a:theme xmlns:a="http://schemas.openxmlformats.org/drawingml/2006/main" name="Office Theme">
   <a:themeElements>
